--- a/과학기술과미디어/수업 ppt/8강 자본주의와 미디어산업.pptx
+++ b/과학기술과미디어/수업 ppt/8강 자본주의와 미디어산업.pptx
@@ -238,7 +238,7 @@
           <a:p>
             <a:fld id="{9109CED6-1F5B-4CAB-BC7C-735017EBCB01}" type="datetimeFigureOut">
               <a:rPr lang="ko-KR" altLang="en-US" smtClean="0"/>
-              <a:t>2018-04-20</a:t>
+              <a:t>2018-06-07</a:t>
             </a:fld>
             <a:endParaRPr lang="ko-KR" altLang="en-US"/>
           </a:p>
@@ -2133,7 +2133,7 @@
           <a:p>
             <a:fld id="{16560373-12F0-4047-AE7F-4E937B32ECD3}" type="datetimeFigureOut">
               <a:rPr lang="ko-KR" altLang="en-US" smtClean="0"/>
-              <a:t>2018-04-20</a:t>
+              <a:t>2018-06-07</a:t>
             </a:fld>
             <a:endParaRPr lang="ko-KR" altLang="en-US"/>
           </a:p>
@@ -2314,7 +2314,7 @@
           <a:p>
             <a:fld id="{16560373-12F0-4047-AE7F-4E937B32ECD3}" type="datetimeFigureOut">
               <a:rPr lang="ko-KR" altLang="en-US" smtClean="0"/>
-              <a:t>2018-04-20</a:t>
+              <a:t>2018-06-07</a:t>
             </a:fld>
             <a:endParaRPr lang="ko-KR" altLang="en-US"/>
           </a:p>
@@ -2465,7 +2465,7 @@
           <a:p>
             <a:fld id="{16560373-12F0-4047-AE7F-4E937B32ECD3}" type="datetimeFigureOut">
               <a:rPr lang="ko-KR" altLang="en-US" smtClean="0"/>
-              <a:t>2018-04-20</a:t>
+              <a:t>2018-06-07</a:t>
             </a:fld>
             <a:endParaRPr lang="ko-KR" altLang="en-US"/>
           </a:p>
@@ -4291,7 +4291,7 @@
           <a:p>
             <a:fld id="{16560373-12F0-4047-AE7F-4E937B32ECD3}" type="datetimeFigureOut">
               <a:rPr lang="ko-KR" altLang="en-US" smtClean="0"/>
-              <a:t>2018-04-20</a:t>
+              <a:t>2018-06-07</a:t>
             </a:fld>
             <a:endParaRPr lang="ko-KR" altLang="en-US"/>
           </a:p>
@@ -6161,7 +6161,7 @@
           <a:p>
             <a:fld id="{16560373-12F0-4047-AE7F-4E937B32ECD3}" type="datetimeFigureOut">
               <a:rPr lang="ko-KR" altLang="en-US" smtClean="0"/>
-              <a:t>2018-04-20</a:t>
+              <a:t>2018-06-07</a:t>
             </a:fld>
             <a:endParaRPr lang="ko-KR" altLang="en-US"/>
           </a:p>
@@ -6274,7 +6274,7 @@
           <a:p>
             <a:fld id="{16560373-12F0-4047-AE7F-4E937B32ECD3}" type="datetimeFigureOut">
               <a:rPr lang="ko-KR" altLang="en-US" smtClean="0"/>
-              <a:t>2018-04-20</a:t>
+              <a:t>2018-06-07</a:t>
             </a:fld>
             <a:endParaRPr lang="ko-KR" altLang="en-US"/>
           </a:p>
@@ -6815,7 +6815,7 @@
           <a:p>
             <a:fld id="{16560373-12F0-4047-AE7F-4E937B32ECD3}" type="datetimeFigureOut">
               <a:rPr lang="ko-KR" altLang="en-US" smtClean="0"/>
-              <a:t>2018-04-20</a:t>
+              <a:t>2018-06-07</a:t>
             </a:fld>
             <a:endParaRPr lang="ko-KR" altLang="en-US"/>
           </a:p>
@@ -6928,7 +6928,7 @@
           <a:p>
             <a:fld id="{16560373-12F0-4047-AE7F-4E937B32ECD3}" type="datetimeFigureOut">
               <a:rPr lang="ko-KR" altLang="en-US" smtClean="0"/>
-              <a:t>2018-04-20</a:t>
+              <a:t>2018-06-07</a:t>
             </a:fld>
             <a:endParaRPr lang="ko-KR" altLang="en-US"/>
           </a:p>
@@ -8639,7 +8639,7 @@
           <a:p>
             <a:fld id="{16560373-12F0-4047-AE7F-4E937B32ECD3}" type="datetimeFigureOut">
               <a:rPr lang="ko-KR" altLang="en-US" smtClean="0"/>
-              <a:t>2018-04-20</a:t>
+              <a:t>2018-06-07</a:t>
             </a:fld>
             <a:endParaRPr lang="ko-KR" altLang="en-US"/>
           </a:p>
@@ -8790,7 +8790,7 @@
           <a:p>
             <a:fld id="{16560373-12F0-4047-AE7F-4E937B32ECD3}" type="datetimeFigureOut">
               <a:rPr lang="ko-KR" altLang="en-US" smtClean="0"/>
-              <a:t>2018-04-20</a:t>
+              <a:t>2018-06-07</a:t>
             </a:fld>
             <a:endParaRPr lang="ko-KR" altLang="en-US"/>
           </a:p>
@@ -12405,7 +12405,7 @@
           <a:p>
             <a:fld id="{16560373-12F0-4047-AE7F-4E937B32ECD3}" type="datetimeFigureOut">
               <a:rPr lang="ko-KR" altLang="en-US" smtClean="0"/>
-              <a:t>2018-04-20</a:t>
+              <a:t>2018-06-07</a:t>
             </a:fld>
             <a:endParaRPr lang="ko-KR" altLang="en-US"/>
           </a:p>
@@ -14264,7 +14264,7 @@
           <a:p>
             <a:fld id="{16560373-12F0-4047-AE7F-4E937B32ECD3}" type="datetimeFigureOut">
               <a:rPr lang="ko-KR" altLang="en-US" smtClean="0"/>
-              <a:t>2018-04-20</a:t>
+              <a:t>2018-06-07</a:t>
             </a:fld>
             <a:endParaRPr lang="ko-KR" altLang="en-US"/>
           </a:p>
@@ -23315,11 +23315,7 @@
             </a:r>
             <a:r>
               <a:rPr lang="en-US" altLang="ko-KR" dirty="0"/>
-              <a:t>, </a:t>
-            </a:r>
-            <a:r>
-              <a:rPr lang="en-US" altLang="ko-KR"/>
-              <a:t>2017.</a:t>
+              <a:t>, 2017.</a:t>
             </a:r>
           </a:p>
           <a:p>
